--- a/Image/fcl.pptx
+++ b/Image/fcl.pptx
@@ -259,7 +259,7 @@
           <a:p>
             <a:fld id="{AA033817-3C92-4546-A891-08A35EFE00C9}" type="datetimeFigureOut">
               <a:rPr lang="fr-FR" smtClean="0"/>
-              <a:t>02/07/2020</a:t>
+              <a:t>09/07/2020</a:t>
             </a:fld>
             <a:endParaRPr lang="fr-FR"/>
           </a:p>
@@ -457,7 +457,7 @@
           <a:p>
             <a:fld id="{AA033817-3C92-4546-A891-08A35EFE00C9}" type="datetimeFigureOut">
               <a:rPr lang="fr-FR" smtClean="0"/>
-              <a:t>02/07/2020</a:t>
+              <a:t>09/07/2020</a:t>
             </a:fld>
             <a:endParaRPr lang="fr-FR"/>
           </a:p>
@@ -665,7 +665,7 @@
           <a:p>
             <a:fld id="{AA033817-3C92-4546-A891-08A35EFE00C9}" type="datetimeFigureOut">
               <a:rPr lang="fr-FR" smtClean="0"/>
-              <a:t>02/07/2020</a:t>
+              <a:t>09/07/2020</a:t>
             </a:fld>
             <a:endParaRPr lang="fr-FR"/>
           </a:p>
@@ -863,7 +863,7 @@
           <a:p>
             <a:fld id="{AA033817-3C92-4546-A891-08A35EFE00C9}" type="datetimeFigureOut">
               <a:rPr lang="fr-FR" smtClean="0"/>
-              <a:t>02/07/2020</a:t>
+              <a:t>09/07/2020</a:t>
             </a:fld>
             <a:endParaRPr lang="fr-FR"/>
           </a:p>
@@ -1138,7 +1138,7 @@
           <a:p>
             <a:fld id="{AA033817-3C92-4546-A891-08A35EFE00C9}" type="datetimeFigureOut">
               <a:rPr lang="fr-FR" smtClean="0"/>
-              <a:t>02/07/2020</a:t>
+              <a:t>09/07/2020</a:t>
             </a:fld>
             <a:endParaRPr lang="fr-FR"/>
           </a:p>
@@ -1403,7 +1403,7 @@
           <a:p>
             <a:fld id="{AA033817-3C92-4546-A891-08A35EFE00C9}" type="datetimeFigureOut">
               <a:rPr lang="fr-FR" smtClean="0"/>
-              <a:t>02/07/2020</a:t>
+              <a:t>09/07/2020</a:t>
             </a:fld>
             <a:endParaRPr lang="fr-FR"/>
           </a:p>
@@ -1815,7 +1815,7 @@
           <a:p>
             <a:fld id="{AA033817-3C92-4546-A891-08A35EFE00C9}" type="datetimeFigureOut">
               <a:rPr lang="fr-FR" smtClean="0"/>
-              <a:t>02/07/2020</a:t>
+              <a:t>09/07/2020</a:t>
             </a:fld>
             <a:endParaRPr lang="fr-FR"/>
           </a:p>
@@ -1956,7 +1956,7 @@
           <a:p>
             <a:fld id="{AA033817-3C92-4546-A891-08A35EFE00C9}" type="datetimeFigureOut">
               <a:rPr lang="fr-FR" smtClean="0"/>
-              <a:t>02/07/2020</a:t>
+              <a:t>09/07/2020</a:t>
             </a:fld>
             <a:endParaRPr lang="fr-FR"/>
           </a:p>
@@ -2069,7 +2069,7 @@
           <a:p>
             <a:fld id="{AA033817-3C92-4546-A891-08A35EFE00C9}" type="datetimeFigureOut">
               <a:rPr lang="fr-FR" smtClean="0"/>
-              <a:t>02/07/2020</a:t>
+              <a:t>09/07/2020</a:t>
             </a:fld>
             <a:endParaRPr lang="fr-FR"/>
           </a:p>
@@ -2380,7 +2380,7 @@
           <a:p>
             <a:fld id="{AA033817-3C92-4546-A891-08A35EFE00C9}" type="datetimeFigureOut">
               <a:rPr lang="fr-FR" smtClean="0"/>
-              <a:t>02/07/2020</a:t>
+              <a:t>09/07/2020</a:t>
             </a:fld>
             <a:endParaRPr lang="fr-FR"/>
           </a:p>
@@ -2668,7 +2668,7 @@
           <a:p>
             <a:fld id="{AA033817-3C92-4546-A891-08A35EFE00C9}" type="datetimeFigureOut">
               <a:rPr lang="fr-FR" smtClean="0"/>
-              <a:t>02/07/2020</a:t>
+              <a:t>09/07/2020</a:t>
             </a:fld>
             <a:endParaRPr lang="fr-FR"/>
           </a:p>
@@ -2909,7 +2909,7 @@
           <a:p>
             <a:fld id="{AA033817-3C92-4546-A891-08A35EFE00C9}" type="datetimeFigureOut">
               <a:rPr lang="fr-FR" smtClean="0"/>
-              <a:t>02/07/2020</a:t>
+              <a:t>09/07/2020</a:t>
             </a:fld>
             <a:endParaRPr lang="fr-FR"/>
           </a:p>
@@ -3853,8 +3853,8 @@
           </p:sp>
         </mc:Fallback>
       </mc:AlternateContent>
-      <mc:AlternateContent xmlns:mc="http://schemas.openxmlformats.org/markup-compatibility/2006">
-        <mc:Choice xmlns:a14="http://schemas.microsoft.com/office/drawing/2010/main" Requires="a14">
+      <mc:AlternateContent xmlns:mc="http://schemas.openxmlformats.org/markup-compatibility/2006" xmlns:a14="http://schemas.microsoft.com/office/drawing/2010/main">
+        <mc:Choice Requires="a14">
           <p:sp>
             <p:nvSpPr>
               <p:cNvPr id="10" name="Ellipse 9">
@@ -3940,7 +3940,7 @@
             </p:txBody>
           </p:sp>
         </mc:Choice>
-        <mc:Fallback>
+        <mc:Fallback xmlns="">
           <p:sp>
             <p:nvSpPr>
               <p:cNvPr id="10" name="Ellipse 9">
@@ -3989,8 +3989,8 @@
           </p:sp>
         </mc:Fallback>
       </mc:AlternateContent>
-      <mc:AlternateContent xmlns:mc="http://schemas.openxmlformats.org/markup-compatibility/2006">
-        <mc:Choice xmlns:a14="http://schemas.microsoft.com/office/drawing/2010/main" Requires="a14">
+      <mc:AlternateContent xmlns:mc="http://schemas.openxmlformats.org/markup-compatibility/2006" xmlns:a14="http://schemas.microsoft.com/office/drawing/2010/main">
+        <mc:Choice Requires="a14">
           <p:sp>
             <p:nvSpPr>
               <p:cNvPr id="11" name="Ellipse 10">
@@ -4076,7 +4076,7 @@
             </p:txBody>
           </p:sp>
         </mc:Choice>
-        <mc:Fallback>
+        <mc:Fallback xmlns="">
           <p:sp>
             <p:nvSpPr>
               <p:cNvPr id="11" name="Ellipse 10">
@@ -4841,1847 +4841,6 @@
         <mc:Choice Requires="a14">
           <p:sp>
             <p:nvSpPr>
-              <p:cNvPr id="40" name="Ellipse 39">
-                <a:extLst>
-                  <a:ext uri="{FF2B5EF4-FFF2-40B4-BE49-F238E27FC236}">
-                    <a16:creationId xmlns:a16="http://schemas.microsoft.com/office/drawing/2014/main" id="{E30EFC5C-AD8A-40DC-8574-C011E4162BF9}"/>
-                  </a:ext>
-                </a:extLst>
-              </p:cNvPr>
-              <p:cNvSpPr/>
-              <p:nvPr/>
-            </p:nvSpPr>
-            <p:spPr>
-              <a:xfrm>
-                <a:off x="3994761" y="1891647"/>
-                <a:ext cx="360000" cy="360000"/>
-              </a:xfrm>
-              <a:prstGeom prst="ellipse">
-                <a:avLst/>
-              </a:prstGeom>
-              <a:ln>
-                <a:headEnd type="none" w="med" len="med"/>
-                <a:tailEnd type="none" w="med" len="med"/>
-              </a:ln>
-            </p:spPr>
-            <p:style>
-              <a:lnRef idx="2">
-                <a:schemeClr val="accent1">
-                  <a:shade val="50000"/>
-                </a:schemeClr>
-              </a:lnRef>
-              <a:fillRef idx="1">
-                <a:schemeClr val="accent1"/>
-              </a:fillRef>
-              <a:effectRef idx="0">
-                <a:schemeClr val="accent1"/>
-              </a:effectRef>
-              <a:fontRef idx="minor">
-                <a:schemeClr val="lt1"/>
-              </a:fontRef>
-            </p:style>
-            <p:txBody>
-              <a:bodyPr rtlCol="0" anchor="ctr">
-                <a:normAutofit fontScale="55000" lnSpcReduction="20000"/>
-              </a:bodyPr>
-              <a:lstStyle/>
-              <a:p>
-                <a:pPr algn="just"/>
-                <a14:m>
-                  <m:oMathPara xmlns:m="http://schemas.openxmlformats.org/officeDocument/2006/math">
-                    <m:oMathParaPr>
-                      <m:jc m:val="center"/>
-                    </m:oMathParaPr>
-                    <m:oMath xmlns:m="http://schemas.openxmlformats.org/officeDocument/2006/math">
-                      <m:r>
-                        <a:rPr lang="fr-BE" b="0" i="1" smtClean="0">
-                          <a:latin typeface="Cambria Math" panose="02040503050406030204" pitchFamily="18" charset="0"/>
-                          <a:ea typeface="Cambria Math" panose="02040503050406030204" pitchFamily="18" charset="0"/>
-                        </a:rPr>
-                        <m:t>×</m:t>
-                      </m:r>
-                    </m:oMath>
-                  </m:oMathPara>
-                </a14:m>
-                <a:endParaRPr lang="fr-FR" dirty="0"/>
-              </a:p>
-            </p:txBody>
-          </p:sp>
-        </mc:Choice>
-        <mc:Fallback xmlns="">
-          <p:sp>
-            <p:nvSpPr>
-              <p:cNvPr id="40" name="Ellipse 39">
-                <a:extLst>
-                  <a:ext uri="{FF2B5EF4-FFF2-40B4-BE49-F238E27FC236}">
-                    <a16:creationId xmlns:a16="http://schemas.microsoft.com/office/drawing/2014/main" id="{E30EFC5C-AD8A-40DC-8574-C011E4162BF9}"/>
-                  </a:ext>
-                </a:extLst>
-              </p:cNvPr>
-              <p:cNvSpPr>
-                <a:spLocks noRot="1" noChangeAspect="1" noMove="1" noResize="1" noEditPoints="1" noAdjustHandles="1" noChangeArrowheads="1" noChangeShapeType="1" noTextEdit="1"/>
-              </p:cNvSpPr>
-              <p:nvPr/>
-            </p:nvSpPr>
-            <p:spPr>
-              <a:xfrm>
-                <a:off x="3994761" y="1891647"/>
-                <a:ext cx="360000" cy="360000"/>
-              </a:xfrm>
-              <a:prstGeom prst="ellipse">
-                <a:avLst/>
-              </a:prstGeom>
-              <a:blipFill>
-                <a:blip r:embed="rId9"/>
-                <a:stretch>
-                  <a:fillRect/>
-                </a:stretch>
-              </a:blipFill>
-              <a:ln>
-                <a:headEnd type="none" w="med" len="med"/>
-                <a:tailEnd type="none" w="med" len="med"/>
-              </a:ln>
-            </p:spPr>
-            <p:txBody>
-              <a:bodyPr/>
-              <a:lstStyle/>
-              <a:p>
-                <a:r>
-                  <a:rPr lang="fr-FR">
-                    <a:noFill/>
-                  </a:rPr>
-                  <a:t> </a:t>
-                </a:r>
-              </a:p>
-            </p:txBody>
-          </p:sp>
-        </mc:Fallback>
-      </mc:AlternateContent>
-      <mc:AlternateContent xmlns:mc="http://schemas.openxmlformats.org/markup-compatibility/2006" xmlns:a14="http://schemas.microsoft.com/office/drawing/2010/main">
-        <mc:Choice Requires="a14">
-          <p:sp>
-            <p:nvSpPr>
-              <p:cNvPr id="41" name="Ellipse 40">
-                <a:extLst>
-                  <a:ext uri="{FF2B5EF4-FFF2-40B4-BE49-F238E27FC236}">
-                    <a16:creationId xmlns:a16="http://schemas.microsoft.com/office/drawing/2014/main" id="{8636E1EF-D4F9-4541-BB9E-A1BA563D0C66}"/>
-                  </a:ext>
-                </a:extLst>
-              </p:cNvPr>
-              <p:cNvSpPr/>
-              <p:nvPr/>
-            </p:nvSpPr>
-            <p:spPr>
-              <a:xfrm>
-                <a:off x="3994761" y="2459528"/>
-                <a:ext cx="360000" cy="360000"/>
-              </a:xfrm>
-              <a:prstGeom prst="ellipse">
-                <a:avLst/>
-              </a:prstGeom>
-              <a:ln>
-                <a:headEnd type="none" w="med" len="med"/>
-                <a:tailEnd type="none" w="med" len="med"/>
-              </a:ln>
-            </p:spPr>
-            <p:style>
-              <a:lnRef idx="2">
-                <a:schemeClr val="accent1">
-                  <a:shade val="50000"/>
-                </a:schemeClr>
-              </a:lnRef>
-              <a:fillRef idx="1">
-                <a:schemeClr val="accent1"/>
-              </a:fillRef>
-              <a:effectRef idx="0">
-                <a:schemeClr val="accent1"/>
-              </a:effectRef>
-              <a:fontRef idx="minor">
-                <a:schemeClr val="lt1"/>
-              </a:fontRef>
-            </p:style>
-            <p:txBody>
-              <a:bodyPr rtlCol="0" anchor="ctr">
-                <a:normAutofit fontScale="55000" lnSpcReduction="20000"/>
-              </a:bodyPr>
-              <a:lstStyle/>
-              <a:p>
-                <a:pPr algn="just"/>
-                <a14:m>
-                  <m:oMathPara xmlns:m="http://schemas.openxmlformats.org/officeDocument/2006/math">
-                    <m:oMathParaPr>
-                      <m:jc m:val="center"/>
-                    </m:oMathParaPr>
-                    <m:oMath xmlns:m="http://schemas.openxmlformats.org/officeDocument/2006/math">
-                      <m:r>
-                        <a:rPr lang="fr-BE" b="0" i="1" smtClean="0">
-                          <a:latin typeface="Cambria Math" panose="02040503050406030204" pitchFamily="18" charset="0"/>
-                          <a:ea typeface="Cambria Math" panose="02040503050406030204" pitchFamily="18" charset="0"/>
-                        </a:rPr>
-                        <m:t>×</m:t>
-                      </m:r>
-                    </m:oMath>
-                  </m:oMathPara>
-                </a14:m>
-                <a:endParaRPr lang="fr-FR" dirty="0"/>
-              </a:p>
-            </p:txBody>
-          </p:sp>
-        </mc:Choice>
-        <mc:Fallback xmlns="">
-          <p:sp>
-            <p:nvSpPr>
-              <p:cNvPr id="41" name="Ellipse 40">
-                <a:extLst>
-                  <a:ext uri="{FF2B5EF4-FFF2-40B4-BE49-F238E27FC236}">
-                    <a16:creationId xmlns:a16="http://schemas.microsoft.com/office/drawing/2014/main" id="{8636E1EF-D4F9-4541-BB9E-A1BA563D0C66}"/>
-                  </a:ext>
-                </a:extLst>
-              </p:cNvPr>
-              <p:cNvSpPr>
-                <a:spLocks noRot="1" noChangeAspect="1" noMove="1" noResize="1" noEditPoints="1" noAdjustHandles="1" noChangeArrowheads="1" noChangeShapeType="1" noTextEdit="1"/>
-              </p:cNvSpPr>
-              <p:nvPr/>
-            </p:nvSpPr>
-            <p:spPr>
-              <a:xfrm>
-                <a:off x="3994761" y="2459528"/>
-                <a:ext cx="360000" cy="360000"/>
-              </a:xfrm>
-              <a:prstGeom prst="ellipse">
-                <a:avLst/>
-              </a:prstGeom>
-              <a:blipFill>
-                <a:blip r:embed="rId10"/>
-                <a:stretch>
-                  <a:fillRect/>
-                </a:stretch>
-              </a:blipFill>
-              <a:ln>
-                <a:headEnd type="none" w="med" len="med"/>
-                <a:tailEnd type="none" w="med" len="med"/>
-              </a:ln>
-            </p:spPr>
-            <p:txBody>
-              <a:bodyPr/>
-              <a:lstStyle/>
-              <a:p>
-                <a:r>
-                  <a:rPr lang="fr-FR">
-                    <a:noFill/>
-                  </a:rPr>
-                  <a:t> </a:t>
-                </a:r>
-              </a:p>
-            </p:txBody>
-          </p:sp>
-        </mc:Fallback>
-      </mc:AlternateContent>
-      <mc:AlternateContent xmlns:mc="http://schemas.openxmlformats.org/markup-compatibility/2006" xmlns:a14="http://schemas.microsoft.com/office/drawing/2010/main">
-        <mc:Choice Requires="a14">
-          <p:sp>
-            <p:nvSpPr>
-              <p:cNvPr id="42" name="Ellipse 41">
-                <a:extLst>
-                  <a:ext uri="{FF2B5EF4-FFF2-40B4-BE49-F238E27FC236}">
-                    <a16:creationId xmlns:a16="http://schemas.microsoft.com/office/drawing/2014/main" id="{03486B46-8205-4625-A625-13F101B2C51C}"/>
-                  </a:ext>
-                </a:extLst>
-              </p:cNvPr>
-              <p:cNvSpPr/>
-              <p:nvPr/>
-            </p:nvSpPr>
-            <p:spPr>
-              <a:xfrm>
-                <a:off x="3994761" y="3245171"/>
-                <a:ext cx="360000" cy="360000"/>
-              </a:xfrm>
-              <a:prstGeom prst="ellipse">
-                <a:avLst/>
-              </a:prstGeom>
-              <a:ln>
-                <a:headEnd type="none" w="med" len="med"/>
-                <a:tailEnd type="none" w="med" len="med"/>
-              </a:ln>
-            </p:spPr>
-            <p:style>
-              <a:lnRef idx="2">
-                <a:schemeClr val="accent1">
-                  <a:shade val="50000"/>
-                </a:schemeClr>
-              </a:lnRef>
-              <a:fillRef idx="1">
-                <a:schemeClr val="accent1"/>
-              </a:fillRef>
-              <a:effectRef idx="0">
-                <a:schemeClr val="accent1"/>
-              </a:effectRef>
-              <a:fontRef idx="minor">
-                <a:schemeClr val="lt1"/>
-              </a:fontRef>
-            </p:style>
-            <p:txBody>
-              <a:bodyPr rtlCol="0" anchor="ctr">
-                <a:normAutofit fontScale="55000" lnSpcReduction="20000"/>
-              </a:bodyPr>
-              <a:lstStyle/>
-              <a:p>
-                <a:pPr algn="just"/>
-                <a14:m>
-                  <m:oMathPara xmlns:m="http://schemas.openxmlformats.org/officeDocument/2006/math">
-                    <m:oMathParaPr>
-                      <m:jc m:val="center"/>
-                    </m:oMathParaPr>
-                    <m:oMath xmlns:m="http://schemas.openxmlformats.org/officeDocument/2006/math">
-                      <m:r>
-                        <a:rPr lang="fr-BE" b="0" i="1" smtClean="0">
-                          <a:latin typeface="Cambria Math" panose="02040503050406030204" pitchFamily="18" charset="0"/>
-                          <a:ea typeface="Cambria Math" panose="02040503050406030204" pitchFamily="18" charset="0"/>
-                        </a:rPr>
-                        <m:t>×</m:t>
-                      </m:r>
-                    </m:oMath>
-                  </m:oMathPara>
-                </a14:m>
-                <a:endParaRPr lang="fr-FR" dirty="0"/>
-              </a:p>
-            </p:txBody>
-          </p:sp>
-        </mc:Choice>
-        <mc:Fallback xmlns="">
-          <p:sp>
-            <p:nvSpPr>
-              <p:cNvPr id="42" name="Ellipse 41">
-                <a:extLst>
-                  <a:ext uri="{FF2B5EF4-FFF2-40B4-BE49-F238E27FC236}">
-                    <a16:creationId xmlns:a16="http://schemas.microsoft.com/office/drawing/2014/main" id="{03486B46-8205-4625-A625-13F101B2C51C}"/>
-                  </a:ext>
-                </a:extLst>
-              </p:cNvPr>
-              <p:cNvSpPr>
-                <a:spLocks noRot="1" noChangeAspect="1" noMove="1" noResize="1" noEditPoints="1" noAdjustHandles="1" noChangeArrowheads="1" noChangeShapeType="1" noTextEdit="1"/>
-              </p:cNvSpPr>
-              <p:nvPr/>
-            </p:nvSpPr>
-            <p:spPr>
-              <a:xfrm>
-                <a:off x="3994761" y="3245171"/>
-                <a:ext cx="360000" cy="360000"/>
-              </a:xfrm>
-              <a:prstGeom prst="ellipse">
-                <a:avLst/>
-              </a:prstGeom>
-              <a:blipFill>
-                <a:blip r:embed="rId9"/>
-                <a:stretch>
-                  <a:fillRect/>
-                </a:stretch>
-              </a:blipFill>
-              <a:ln>
-                <a:headEnd type="none" w="med" len="med"/>
-                <a:tailEnd type="none" w="med" len="med"/>
-              </a:ln>
-            </p:spPr>
-            <p:txBody>
-              <a:bodyPr/>
-              <a:lstStyle/>
-              <a:p>
-                <a:r>
-                  <a:rPr lang="fr-FR">
-                    <a:noFill/>
-                  </a:rPr>
-                  <a:t> </a:t>
-                </a:r>
-              </a:p>
-            </p:txBody>
-          </p:sp>
-        </mc:Fallback>
-      </mc:AlternateContent>
-      <mc:AlternateContent xmlns:mc="http://schemas.openxmlformats.org/markup-compatibility/2006" xmlns:a14="http://schemas.microsoft.com/office/drawing/2010/main">
-        <mc:Choice Requires="a14">
-          <p:sp>
-            <p:nvSpPr>
-              <p:cNvPr id="43" name="Ellipse 42">
-                <a:extLst>
-                  <a:ext uri="{FF2B5EF4-FFF2-40B4-BE49-F238E27FC236}">
-                    <a16:creationId xmlns:a16="http://schemas.microsoft.com/office/drawing/2014/main" id="{DAF712F0-0AF3-4C02-9A50-949EF9403C22}"/>
-                  </a:ext>
-                </a:extLst>
-              </p:cNvPr>
-              <p:cNvSpPr/>
-              <p:nvPr/>
-            </p:nvSpPr>
-            <p:spPr>
-              <a:xfrm>
-                <a:off x="3994761" y="5166579"/>
-                <a:ext cx="360000" cy="360000"/>
-              </a:xfrm>
-              <a:prstGeom prst="ellipse">
-                <a:avLst/>
-              </a:prstGeom>
-              <a:ln>
-                <a:headEnd type="none" w="med" len="med"/>
-                <a:tailEnd type="none" w="med" len="med"/>
-              </a:ln>
-            </p:spPr>
-            <p:style>
-              <a:lnRef idx="2">
-                <a:schemeClr val="accent1">
-                  <a:shade val="50000"/>
-                </a:schemeClr>
-              </a:lnRef>
-              <a:fillRef idx="1">
-                <a:schemeClr val="accent1"/>
-              </a:fillRef>
-              <a:effectRef idx="0">
-                <a:schemeClr val="accent1"/>
-              </a:effectRef>
-              <a:fontRef idx="minor">
-                <a:schemeClr val="lt1"/>
-              </a:fontRef>
-            </p:style>
-            <p:txBody>
-              <a:bodyPr rtlCol="0" anchor="ctr">
-                <a:normAutofit fontScale="55000" lnSpcReduction="20000"/>
-              </a:bodyPr>
-              <a:lstStyle/>
-              <a:p>
-                <a:pPr algn="just"/>
-                <a14:m>
-                  <m:oMathPara xmlns:m="http://schemas.openxmlformats.org/officeDocument/2006/math">
-                    <m:oMathParaPr>
-                      <m:jc m:val="center"/>
-                    </m:oMathParaPr>
-                    <m:oMath xmlns:m="http://schemas.openxmlformats.org/officeDocument/2006/math">
-                      <m:r>
-                        <a:rPr lang="fr-BE" b="0" i="1" smtClean="0">
-                          <a:latin typeface="Cambria Math" panose="02040503050406030204" pitchFamily="18" charset="0"/>
-                          <a:ea typeface="Cambria Math" panose="02040503050406030204" pitchFamily="18" charset="0"/>
-                        </a:rPr>
-                        <m:t>×</m:t>
-                      </m:r>
-                    </m:oMath>
-                  </m:oMathPara>
-                </a14:m>
-                <a:endParaRPr lang="fr-FR" dirty="0"/>
-              </a:p>
-            </p:txBody>
-          </p:sp>
-        </mc:Choice>
-        <mc:Fallback xmlns="">
-          <p:sp>
-            <p:nvSpPr>
-              <p:cNvPr id="43" name="Ellipse 42">
-                <a:extLst>
-                  <a:ext uri="{FF2B5EF4-FFF2-40B4-BE49-F238E27FC236}">
-                    <a16:creationId xmlns:a16="http://schemas.microsoft.com/office/drawing/2014/main" id="{DAF712F0-0AF3-4C02-9A50-949EF9403C22}"/>
-                  </a:ext>
-                </a:extLst>
-              </p:cNvPr>
-              <p:cNvSpPr>
-                <a:spLocks noRot="1" noChangeAspect="1" noMove="1" noResize="1" noEditPoints="1" noAdjustHandles="1" noChangeArrowheads="1" noChangeShapeType="1" noTextEdit="1"/>
-              </p:cNvSpPr>
-              <p:nvPr/>
-            </p:nvSpPr>
-            <p:spPr>
-              <a:xfrm>
-                <a:off x="3994761" y="5166579"/>
-                <a:ext cx="360000" cy="360000"/>
-              </a:xfrm>
-              <a:prstGeom prst="ellipse">
-                <a:avLst/>
-              </a:prstGeom>
-              <a:blipFill>
-                <a:blip r:embed="rId9"/>
-                <a:stretch>
-                  <a:fillRect/>
-                </a:stretch>
-              </a:blipFill>
-              <a:ln>
-                <a:headEnd type="none" w="med" len="med"/>
-                <a:tailEnd type="none" w="med" len="med"/>
-              </a:ln>
-            </p:spPr>
-            <p:txBody>
-              <a:bodyPr/>
-              <a:lstStyle/>
-              <a:p>
-                <a:r>
-                  <a:rPr lang="fr-FR">
-                    <a:noFill/>
-                  </a:rPr>
-                  <a:t> </a:t>
-                </a:r>
-              </a:p>
-            </p:txBody>
-          </p:sp>
-        </mc:Fallback>
-      </mc:AlternateContent>
-      <mc:AlternateContent xmlns:mc="http://schemas.openxmlformats.org/markup-compatibility/2006" xmlns:a14="http://schemas.microsoft.com/office/drawing/2010/main">
-        <mc:Choice Requires="a14">
-          <p:sp>
-            <p:nvSpPr>
-              <p:cNvPr id="44" name="Ellipse 43">
-                <a:extLst>
-                  <a:ext uri="{FF2B5EF4-FFF2-40B4-BE49-F238E27FC236}">
-                    <a16:creationId xmlns:a16="http://schemas.microsoft.com/office/drawing/2014/main" id="{45AC8D4B-E3D6-4590-862B-C2EBAE46B888}"/>
-                  </a:ext>
-                </a:extLst>
-              </p:cNvPr>
-              <p:cNvSpPr/>
-              <p:nvPr/>
-            </p:nvSpPr>
-            <p:spPr>
-              <a:xfrm>
-                <a:off x="3454761" y="3441379"/>
-                <a:ext cx="360000" cy="360000"/>
-              </a:xfrm>
-              <a:prstGeom prst="ellipse">
-                <a:avLst/>
-              </a:prstGeom>
-              <a:ln>
-                <a:headEnd type="none" w="med" len="med"/>
-                <a:tailEnd type="none" w="med" len="med"/>
-              </a:ln>
-            </p:spPr>
-            <p:style>
-              <a:lnRef idx="2">
-                <a:schemeClr val="accent1">
-                  <a:shade val="50000"/>
-                </a:schemeClr>
-              </a:lnRef>
-              <a:fillRef idx="1">
-                <a:schemeClr val="accent1"/>
-              </a:fillRef>
-              <a:effectRef idx="0">
-                <a:schemeClr val="accent1"/>
-              </a:effectRef>
-              <a:fontRef idx="minor">
-                <a:schemeClr val="lt1"/>
-              </a:fontRef>
-            </p:style>
-            <p:txBody>
-              <a:bodyPr rtlCol="0" anchor="ctr">
-                <a:normAutofit fontScale="55000" lnSpcReduction="20000"/>
-              </a:bodyPr>
-              <a:lstStyle/>
-              <a:p>
-                <a:pPr algn="just"/>
-                <a14:m>
-                  <m:oMathPara xmlns:m="http://schemas.openxmlformats.org/officeDocument/2006/math">
-                    <m:oMathParaPr>
-                      <m:jc m:val="center"/>
-                    </m:oMathParaPr>
-                    <m:oMath xmlns:m="http://schemas.openxmlformats.org/officeDocument/2006/math">
-                      <m:r>
-                        <a:rPr lang="fr-BE" b="0" i="1" smtClean="0">
-                          <a:latin typeface="Cambria Math" panose="02040503050406030204" pitchFamily="18" charset="0"/>
-                          <a:ea typeface="Cambria Math" panose="02040503050406030204" pitchFamily="18" charset="0"/>
-                        </a:rPr>
-                        <m:t>×</m:t>
-                      </m:r>
-                    </m:oMath>
-                  </m:oMathPara>
-                </a14:m>
-                <a:endParaRPr lang="fr-FR" dirty="0"/>
-              </a:p>
-            </p:txBody>
-          </p:sp>
-        </mc:Choice>
-        <mc:Fallback xmlns="">
-          <p:sp>
-            <p:nvSpPr>
-              <p:cNvPr id="44" name="Ellipse 43">
-                <a:extLst>
-                  <a:ext uri="{FF2B5EF4-FFF2-40B4-BE49-F238E27FC236}">
-                    <a16:creationId xmlns:a16="http://schemas.microsoft.com/office/drawing/2014/main" id="{45AC8D4B-E3D6-4590-862B-C2EBAE46B888}"/>
-                  </a:ext>
-                </a:extLst>
-              </p:cNvPr>
-              <p:cNvSpPr>
-                <a:spLocks noRot="1" noChangeAspect="1" noMove="1" noResize="1" noEditPoints="1" noAdjustHandles="1" noChangeArrowheads="1" noChangeShapeType="1" noTextEdit="1"/>
-              </p:cNvSpPr>
-              <p:nvPr/>
-            </p:nvSpPr>
-            <p:spPr>
-              <a:xfrm>
-                <a:off x="3454761" y="3441379"/>
-                <a:ext cx="360000" cy="360000"/>
-              </a:xfrm>
-              <a:prstGeom prst="ellipse">
-                <a:avLst/>
-              </a:prstGeom>
-              <a:blipFill>
-                <a:blip r:embed="rId11"/>
-                <a:stretch>
-                  <a:fillRect/>
-                </a:stretch>
-              </a:blipFill>
-              <a:ln>
-                <a:headEnd type="none" w="med" len="med"/>
-                <a:tailEnd type="none" w="med" len="med"/>
-              </a:ln>
-            </p:spPr>
-            <p:txBody>
-              <a:bodyPr/>
-              <a:lstStyle/>
-              <a:p>
-                <a:r>
-                  <a:rPr lang="fr-FR">
-                    <a:noFill/>
-                  </a:rPr>
-                  <a:t> </a:t>
-                </a:r>
-              </a:p>
-            </p:txBody>
-          </p:sp>
-        </mc:Fallback>
-      </mc:AlternateContent>
-      <mc:AlternateContent xmlns:mc="http://schemas.openxmlformats.org/markup-compatibility/2006" xmlns:a14="http://schemas.microsoft.com/office/drawing/2010/main">
-        <mc:Choice Requires="a14">
-          <p:sp>
-            <p:nvSpPr>
-              <p:cNvPr id="45" name="Ellipse 44">
-                <a:extLst>
-                  <a:ext uri="{FF2B5EF4-FFF2-40B4-BE49-F238E27FC236}">
-                    <a16:creationId xmlns:a16="http://schemas.microsoft.com/office/drawing/2014/main" id="{80C93A19-8C67-487C-B2BB-265FB0B0C307}"/>
-                  </a:ext>
-                </a:extLst>
-              </p:cNvPr>
-              <p:cNvSpPr/>
-              <p:nvPr/>
-            </p:nvSpPr>
-            <p:spPr>
-              <a:xfrm>
-                <a:off x="3454761" y="4184729"/>
-                <a:ext cx="360000" cy="360000"/>
-              </a:xfrm>
-              <a:prstGeom prst="ellipse">
-                <a:avLst/>
-              </a:prstGeom>
-              <a:ln>
-                <a:headEnd type="none" w="med" len="med"/>
-                <a:tailEnd type="none" w="med" len="med"/>
-              </a:ln>
-            </p:spPr>
-            <p:style>
-              <a:lnRef idx="2">
-                <a:schemeClr val="accent1">
-                  <a:shade val="50000"/>
-                </a:schemeClr>
-              </a:lnRef>
-              <a:fillRef idx="1">
-                <a:schemeClr val="accent1"/>
-              </a:fillRef>
-              <a:effectRef idx="0">
-                <a:schemeClr val="accent1"/>
-              </a:effectRef>
-              <a:fontRef idx="minor">
-                <a:schemeClr val="lt1"/>
-              </a:fontRef>
-            </p:style>
-            <p:txBody>
-              <a:bodyPr rtlCol="0" anchor="ctr">
-                <a:normAutofit fontScale="55000" lnSpcReduction="20000"/>
-              </a:bodyPr>
-              <a:lstStyle/>
-              <a:p>
-                <a:pPr algn="just"/>
-                <a14:m>
-                  <m:oMathPara xmlns:m="http://schemas.openxmlformats.org/officeDocument/2006/math">
-                    <m:oMathParaPr>
-                      <m:jc m:val="center"/>
-                    </m:oMathParaPr>
-                    <m:oMath xmlns:m="http://schemas.openxmlformats.org/officeDocument/2006/math">
-                      <m:r>
-                        <a:rPr lang="fr-BE" b="0" i="1" smtClean="0">
-                          <a:latin typeface="Cambria Math" panose="02040503050406030204" pitchFamily="18" charset="0"/>
-                          <a:ea typeface="Cambria Math" panose="02040503050406030204" pitchFamily="18" charset="0"/>
-                        </a:rPr>
-                        <m:t>×</m:t>
-                      </m:r>
-                    </m:oMath>
-                  </m:oMathPara>
-                </a14:m>
-                <a:endParaRPr lang="fr-FR" dirty="0"/>
-              </a:p>
-            </p:txBody>
-          </p:sp>
-        </mc:Choice>
-        <mc:Fallback xmlns="">
-          <p:sp>
-            <p:nvSpPr>
-              <p:cNvPr id="45" name="Ellipse 44">
-                <a:extLst>
-                  <a:ext uri="{FF2B5EF4-FFF2-40B4-BE49-F238E27FC236}">
-                    <a16:creationId xmlns:a16="http://schemas.microsoft.com/office/drawing/2014/main" id="{80C93A19-8C67-487C-B2BB-265FB0B0C307}"/>
-                  </a:ext>
-                </a:extLst>
-              </p:cNvPr>
-              <p:cNvSpPr>
-                <a:spLocks noRot="1" noChangeAspect="1" noMove="1" noResize="1" noEditPoints="1" noAdjustHandles="1" noChangeArrowheads="1" noChangeShapeType="1" noTextEdit="1"/>
-              </p:cNvSpPr>
-              <p:nvPr/>
-            </p:nvSpPr>
-            <p:spPr>
-              <a:xfrm>
-                <a:off x="3454761" y="4184729"/>
-                <a:ext cx="360000" cy="360000"/>
-              </a:xfrm>
-              <a:prstGeom prst="ellipse">
-                <a:avLst/>
-              </a:prstGeom>
-              <a:blipFill>
-                <a:blip r:embed="rId12"/>
-                <a:stretch>
-                  <a:fillRect/>
-                </a:stretch>
-              </a:blipFill>
-              <a:ln>
-                <a:headEnd type="none" w="med" len="med"/>
-                <a:tailEnd type="none" w="med" len="med"/>
-              </a:ln>
-            </p:spPr>
-            <p:txBody>
-              <a:bodyPr/>
-              <a:lstStyle/>
-              <a:p>
-                <a:r>
-                  <a:rPr lang="fr-FR">
-                    <a:noFill/>
-                  </a:rPr>
-                  <a:t> </a:t>
-                </a:r>
-              </a:p>
-            </p:txBody>
-          </p:sp>
-        </mc:Fallback>
-      </mc:AlternateContent>
-      <p:cxnSp>
-        <p:nvCxnSpPr>
-          <p:cNvPr id="46" name="Connecteur droit avec flèche 45">
-            <a:extLst>
-              <a:ext uri="{FF2B5EF4-FFF2-40B4-BE49-F238E27FC236}">
-                <a16:creationId xmlns:a16="http://schemas.microsoft.com/office/drawing/2014/main" id="{0B3AA4F3-29B4-4FCA-9904-D9BFC518B2B0}"/>
-              </a:ext>
-            </a:extLst>
-          </p:cNvPr>
-          <p:cNvCxnSpPr>
-            <a:cxnSpLocks/>
-            <a:stCxn id="47" idx="4"/>
-            <a:endCxn id="40" idx="0"/>
-          </p:cNvCxnSpPr>
-          <p:nvPr/>
-        </p:nvCxnSpPr>
-        <p:spPr>
-          <a:xfrm flipH="1">
-            <a:off x="4174761" y="1711647"/>
-            <a:ext cx="3724" cy="180000"/>
-          </a:xfrm>
-          <a:prstGeom prst="straightConnector1">
-            <a:avLst/>
-          </a:prstGeom>
-          <a:ln>
-            <a:tailEnd type="triangle"/>
-          </a:ln>
-        </p:spPr>
-        <p:style>
-          <a:lnRef idx="3">
-            <a:schemeClr val="dk1"/>
-          </a:lnRef>
-          <a:fillRef idx="0">
-            <a:schemeClr val="dk1"/>
-          </a:fillRef>
-          <a:effectRef idx="2">
-            <a:schemeClr val="dk1"/>
-          </a:effectRef>
-          <a:fontRef idx="minor">
-            <a:schemeClr val="tx1"/>
-          </a:fontRef>
-        </p:style>
-      </p:cxnSp>
-      <mc:AlternateContent xmlns:mc="http://schemas.openxmlformats.org/markup-compatibility/2006" xmlns:a14="http://schemas.microsoft.com/office/drawing/2010/main">
-        <mc:Choice Requires="a14">
-          <p:sp>
-            <p:nvSpPr>
-              <p:cNvPr id="47" name="Ellipse 46">
-                <a:extLst>
-                  <a:ext uri="{FF2B5EF4-FFF2-40B4-BE49-F238E27FC236}">
-                    <a16:creationId xmlns:a16="http://schemas.microsoft.com/office/drawing/2014/main" id="{17A006F8-78DA-4711-B605-6BE29FA260F0}"/>
-                  </a:ext>
-                </a:extLst>
-              </p:cNvPr>
-              <p:cNvSpPr/>
-              <p:nvPr/>
-            </p:nvSpPr>
-            <p:spPr>
-              <a:xfrm>
-                <a:off x="3944485" y="1243647"/>
-                <a:ext cx="468000" cy="468000"/>
-              </a:xfrm>
-              <a:prstGeom prst="ellipse">
-                <a:avLst/>
-              </a:prstGeom>
-              <a:ln>
-                <a:headEnd type="none" w="med" len="med"/>
-                <a:tailEnd type="none" w="med" len="med"/>
-              </a:ln>
-            </p:spPr>
-            <p:style>
-              <a:lnRef idx="3">
-                <a:schemeClr val="lt1"/>
-              </a:lnRef>
-              <a:fillRef idx="1">
-                <a:schemeClr val="accent2"/>
-              </a:fillRef>
-              <a:effectRef idx="1">
-                <a:schemeClr val="accent2"/>
-              </a:effectRef>
-              <a:fontRef idx="minor">
-                <a:schemeClr val="lt1"/>
-              </a:fontRef>
-            </p:style>
-            <p:txBody>
-              <a:bodyPr rtlCol="0" anchor="ctr">
-                <a:normAutofit fontScale="85000" lnSpcReduction="10000"/>
-              </a:bodyPr>
-              <a:lstStyle/>
-              <a:p>
-                <a:pPr algn="just"/>
-                <a14:m>
-                  <m:oMathPara xmlns:m="http://schemas.openxmlformats.org/officeDocument/2006/math">
-                    <m:oMathParaPr>
-                      <m:jc m:val="center"/>
-                    </m:oMathParaPr>
-                    <m:oMath xmlns:m="http://schemas.openxmlformats.org/officeDocument/2006/math">
-                      <m:sSubSup>
-                        <m:sSubSupPr>
-                          <m:ctrlPr>
-                            <a:rPr lang="fr-BE" b="0" i="1" smtClean="0">
-                              <a:latin typeface="Cambria Math" panose="02040503050406030204" pitchFamily="18" charset="0"/>
-                            </a:rPr>
-                          </m:ctrlPr>
-                        </m:sSubSupPr>
-                        <m:e>
-                          <m:r>
-                            <a:rPr lang="fr-BE" b="0" i="1" smtClean="0">
-                              <a:latin typeface="Cambria Math" panose="02040503050406030204" pitchFamily="18" charset="0"/>
-                            </a:rPr>
-                            <m:t>𝑤</m:t>
-                          </m:r>
-                        </m:e>
-                        <m:sub>
-                          <m:r>
-                            <a:rPr lang="fr-BE" b="0" i="1" smtClean="0">
-                              <a:latin typeface="Cambria Math" panose="02040503050406030204" pitchFamily="18" charset="0"/>
-                            </a:rPr>
-                            <m:t>0</m:t>
-                          </m:r>
-                        </m:sub>
-                        <m:sup>
-                          <m:r>
-                            <a:rPr lang="fr-BE" b="0" i="1" smtClean="0">
-                              <a:latin typeface="Cambria Math" panose="02040503050406030204" pitchFamily="18" charset="0"/>
-                            </a:rPr>
-                            <m:t>1</m:t>
-                          </m:r>
-                        </m:sup>
-                      </m:sSubSup>
-                    </m:oMath>
-                  </m:oMathPara>
-                </a14:m>
-                <a:endParaRPr lang="fr-FR" dirty="0"/>
-              </a:p>
-            </p:txBody>
-          </p:sp>
-        </mc:Choice>
-        <mc:Fallback xmlns="">
-          <p:sp>
-            <p:nvSpPr>
-              <p:cNvPr id="47" name="Ellipse 46">
-                <a:extLst>
-                  <a:ext uri="{FF2B5EF4-FFF2-40B4-BE49-F238E27FC236}">
-                    <a16:creationId xmlns:a16="http://schemas.microsoft.com/office/drawing/2014/main" id="{17A006F8-78DA-4711-B605-6BE29FA260F0}"/>
-                  </a:ext>
-                </a:extLst>
-              </p:cNvPr>
-              <p:cNvSpPr>
-                <a:spLocks noRot="1" noChangeAspect="1" noMove="1" noResize="1" noEditPoints="1" noAdjustHandles="1" noChangeArrowheads="1" noChangeShapeType="1" noTextEdit="1"/>
-              </p:cNvSpPr>
-              <p:nvPr/>
-            </p:nvSpPr>
-            <p:spPr>
-              <a:xfrm>
-                <a:off x="3944485" y="1243647"/>
-                <a:ext cx="468000" cy="468000"/>
-              </a:xfrm>
-              <a:prstGeom prst="ellipse">
-                <a:avLst/>
-              </a:prstGeom>
-              <a:blipFill>
-                <a:blip r:embed="rId13"/>
-                <a:stretch>
-                  <a:fillRect/>
-                </a:stretch>
-              </a:blipFill>
-              <a:ln>
-                <a:headEnd type="none" w="med" len="med"/>
-                <a:tailEnd type="none" w="med" len="med"/>
-              </a:ln>
-            </p:spPr>
-            <p:txBody>
-              <a:bodyPr/>
-              <a:lstStyle/>
-              <a:p>
-                <a:r>
-                  <a:rPr lang="fr-FR">
-                    <a:noFill/>
-                  </a:rPr>
-                  <a:t> </a:t>
-                </a:r>
-              </a:p>
-            </p:txBody>
-          </p:sp>
-        </mc:Fallback>
-      </mc:AlternateContent>
-      <p:cxnSp>
-        <p:nvCxnSpPr>
-          <p:cNvPr id="50" name="Connecteur droit avec flèche 49">
-            <a:extLst>
-              <a:ext uri="{FF2B5EF4-FFF2-40B4-BE49-F238E27FC236}">
-                <a16:creationId xmlns:a16="http://schemas.microsoft.com/office/drawing/2014/main" id="{1E3B5A14-EBE0-4246-A52F-B2E146144C62}"/>
-              </a:ext>
-            </a:extLst>
-          </p:cNvPr>
-          <p:cNvCxnSpPr>
-            <a:cxnSpLocks/>
-            <a:stCxn id="51" idx="5"/>
-            <a:endCxn id="41" idx="1"/>
-          </p:cNvCxnSpPr>
-          <p:nvPr/>
-        </p:nvCxnSpPr>
-        <p:spPr>
-          <a:xfrm>
-            <a:off x="3926224" y="2444991"/>
-            <a:ext cx="121258" cy="67258"/>
-          </a:xfrm>
-          <a:prstGeom prst="straightConnector1">
-            <a:avLst/>
-          </a:prstGeom>
-          <a:ln>
-            <a:tailEnd type="triangle"/>
-          </a:ln>
-        </p:spPr>
-        <p:style>
-          <a:lnRef idx="3">
-            <a:schemeClr val="dk1"/>
-          </a:lnRef>
-          <a:fillRef idx="0">
-            <a:schemeClr val="dk1"/>
-          </a:fillRef>
-          <a:effectRef idx="2">
-            <a:schemeClr val="dk1"/>
-          </a:effectRef>
-          <a:fontRef idx="minor">
-            <a:schemeClr val="tx1"/>
-          </a:fontRef>
-        </p:style>
-      </p:cxnSp>
-      <mc:AlternateContent xmlns:mc="http://schemas.openxmlformats.org/markup-compatibility/2006" xmlns:a14="http://schemas.microsoft.com/office/drawing/2010/main">
-        <mc:Choice Requires="a14">
-          <p:sp>
-            <p:nvSpPr>
-              <p:cNvPr id="51" name="Ellipse 50">
-                <a:extLst>
-                  <a:ext uri="{FF2B5EF4-FFF2-40B4-BE49-F238E27FC236}">
-                    <a16:creationId xmlns:a16="http://schemas.microsoft.com/office/drawing/2014/main" id="{40897A84-44A6-4BA6-8900-B0275C8B949A}"/>
-                  </a:ext>
-                </a:extLst>
-              </p:cNvPr>
-              <p:cNvSpPr/>
-              <p:nvPr/>
-            </p:nvSpPr>
-            <p:spPr>
-              <a:xfrm>
-                <a:off x="3526761" y="2045528"/>
-                <a:ext cx="468000" cy="468000"/>
-              </a:xfrm>
-              <a:prstGeom prst="ellipse">
-                <a:avLst/>
-              </a:prstGeom>
-              <a:ln>
-                <a:headEnd type="none" w="med" len="med"/>
-                <a:tailEnd type="none" w="med" len="med"/>
-              </a:ln>
-            </p:spPr>
-            <p:style>
-              <a:lnRef idx="3">
-                <a:schemeClr val="lt1"/>
-              </a:lnRef>
-              <a:fillRef idx="1">
-                <a:schemeClr val="accent2"/>
-              </a:fillRef>
-              <a:effectRef idx="1">
-                <a:schemeClr val="accent2"/>
-              </a:effectRef>
-              <a:fontRef idx="minor">
-                <a:schemeClr val="lt1"/>
-              </a:fontRef>
-            </p:style>
-            <p:txBody>
-              <a:bodyPr rtlCol="0" anchor="ctr">
-                <a:normAutofit fontScale="85000" lnSpcReduction="10000"/>
-              </a:bodyPr>
-              <a:lstStyle/>
-              <a:p>
-                <a:pPr algn="just"/>
-                <a14:m>
-                  <m:oMathPara xmlns:m="http://schemas.openxmlformats.org/officeDocument/2006/math">
-                    <m:oMathParaPr>
-                      <m:jc m:val="center"/>
-                    </m:oMathParaPr>
-                    <m:oMath xmlns:m="http://schemas.openxmlformats.org/officeDocument/2006/math">
-                      <m:sSubSup>
-                        <m:sSubSupPr>
-                          <m:ctrlPr>
-                            <a:rPr lang="fr-BE" b="0" i="1" smtClean="0">
-                              <a:latin typeface="Cambria Math" panose="02040503050406030204" pitchFamily="18" charset="0"/>
-                            </a:rPr>
-                          </m:ctrlPr>
-                        </m:sSubSupPr>
-                        <m:e>
-                          <m:r>
-                            <a:rPr lang="fr-BE" b="0" i="1" smtClean="0">
-                              <a:latin typeface="Cambria Math" panose="02040503050406030204" pitchFamily="18" charset="0"/>
-                            </a:rPr>
-                            <m:t>𝑤</m:t>
-                          </m:r>
-                        </m:e>
-                        <m:sub>
-                          <m:r>
-                            <a:rPr lang="fr-BE" b="0" i="1" smtClean="0">
-                              <a:latin typeface="Cambria Math" panose="02040503050406030204" pitchFamily="18" charset="0"/>
-                            </a:rPr>
-                            <m:t>1</m:t>
-                          </m:r>
-                        </m:sub>
-                        <m:sup>
-                          <m:r>
-                            <a:rPr lang="fr-BE" b="0" i="1" smtClean="0">
-                              <a:latin typeface="Cambria Math" panose="02040503050406030204" pitchFamily="18" charset="0"/>
-                            </a:rPr>
-                            <m:t>1</m:t>
-                          </m:r>
-                        </m:sup>
-                      </m:sSubSup>
-                    </m:oMath>
-                  </m:oMathPara>
-                </a14:m>
-                <a:endParaRPr lang="fr-FR" dirty="0"/>
-              </a:p>
-            </p:txBody>
-          </p:sp>
-        </mc:Choice>
-        <mc:Fallback xmlns="">
-          <p:sp>
-            <p:nvSpPr>
-              <p:cNvPr id="51" name="Ellipse 50">
-                <a:extLst>
-                  <a:ext uri="{FF2B5EF4-FFF2-40B4-BE49-F238E27FC236}">
-                    <a16:creationId xmlns:a16="http://schemas.microsoft.com/office/drawing/2014/main" id="{40897A84-44A6-4BA6-8900-B0275C8B949A}"/>
-                  </a:ext>
-                </a:extLst>
-              </p:cNvPr>
-              <p:cNvSpPr>
-                <a:spLocks noRot="1" noChangeAspect="1" noMove="1" noResize="1" noEditPoints="1" noAdjustHandles="1" noChangeArrowheads="1" noChangeShapeType="1" noTextEdit="1"/>
-              </p:cNvSpPr>
-              <p:nvPr/>
-            </p:nvSpPr>
-            <p:spPr>
-              <a:xfrm>
-                <a:off x="3526761" y="2045528"/>
-                <a:ext cx="468000" cy="468000"/>
-              </a:xfrm>
-              <a:prstGeom prst="ellipse">
-                <a:avLst/>
-              </a:prstGeom>
-              <a:blipFill>
-                <a:blip r:embed="rId14"/>
-                <a:stretch>
-                  <a:fillRect/>
-                </a:stretch>
-              </a:blipFill>
-              <a:ln>
-                <a:headEnd type="none" w="med" len="med"/>
-                <a:tailEnd type="none" w="med" len="med"/>
-              </a:ln>
-            </p:spPr>
-            <p:txBody>
-              <a:bodyPr/>
-              <a:lstStyle/>
-              <a:p>
-                <a:r>
-                  <a:rPr lang="fr-FR">
-                    <a:noFill/>
-                  </a:rPr>
-                  <a:t> </a:t>
-                </a:r>
-              </a:p>
-            </p:txBody>
-          </p:sp>
-        </mc:Fallback>
-      </mc:AlternateContent>
-      <p:cxnSp>
-        <p:nvCxnSpPr>
-          <p:cNvPr id="55" name="Connecteur droit avec flèche 54">
-            <a:extLst>
-              <a:ext uri="{FF2B5EF4-FFF2-40B4-BE49-F238E27FC236}">
-                <a16:creationId xmlns:a16="http://schemas.microsoft.com/office/drawing/2014/main" id="{6705BE21-C947-4E7D-AE88-11EF46661C22}"/>
-              </a:ext>
-            </a:extLst>
-          </p:cNvPr>
-          <p:cNvCxnSpPr>
-            <a:cxnSpLocks/>
-            <a:stCxn id="56" idx="5"/>
-            <a:endCxn id="45" idx="1"/>
-          </p:cNvCxnSpPr>
-          <p:nvPr/>
-        </p:nvCxnSpPr>
-        <p:spPr>
-          <a:xfrm>
-            <a:off x="3391496" y="4157465"/>
-            <a:ext cx="115986" cy="79985"/>
-          </a:xfrm>
-          <a:prstGeom prst="straightConnector1">
-            <a:avLst/>
-          </a:prstGeom>
-          <a:ln>
-            <a:tailEnd type="triangle"/>
-          </a:ln>
-        </p:spPr>
-        <p:style>
-          <a:lnRef idx="3">
-            <a:schemeClr val="dk1"/>
-          </a:lnRef>
-          <a:fillRef idx="0">
-            <a:schemeClr val="dk1"/>
-          </a:fillRef>
-          <a:effectRef idx="2">
-            <a:schemeClr val="dk1"/>
-          </a:effectRef>
-          <a:fontRef idx="minor">
-            <a:schemeClr val="tx1"/>
-          </a:fontRef>
-        </p:style>
-      </p:cxnSp>
-      <mc:AlternateContent xmlns:mc="http://schemas.openxmlformats.org/markup-compatibility/2006" xmlns:a14="http://schemas.microsoft.com/office/drawing/2010/main">
-        <mc:Choice Requires="a14">
-          <p:sp>
-            <p:nvSpPr>
-              <p:cNvPr id="56" name="Ellipse 55">
-                <a:extLst>
-                  <a:ext uri="{FF2B5EF4-FFF2-40B4-BE49-F238E27FC236}">
-                    <a16:creationId xmlns:a16="http://schemas.microsoft.com/office/drawing/2014/main" id="{8122BB98-DEFB-4548-8C23-04554A3F1DD3}"/>
-                  </a:ext>
-                </a:extLst>
-              </p:cNvPr>
-              <p:cNvSpPr/>
-              <p:nvPr/>
-            </p:nvSpPr>
-            <p:spPr>
-              <a:xfrm>
-                <a:off x="3022761" y="3788730"/>
-                <a:ext cx="432000" cy="432000"/>
-              </a:xfrm>
-              <a:prstGeom prst="ellipse">
-                <a:avLst/>
-              </a:prstGeom>
-              <a:ln>
-                <a:headEnd type="none" w="med" len="med"/>
-                <a:tailEnd type="none" w="med" len="med"/>
-              </a:ln>
-            </p:spPr>
-            <p:style>
-              <a:lnRef idx="3">
-                <a:schemeClr val="lt1"/>
-              </a:lnRef>
-              <a:fillRef idx="1">
-                <a:schemeClr val="accent2"/>
-              </a:fillRef>
-              <a:effectRef idx="1">
-                <a:schemeClr val="accent2"/>
-              </a:effectRef>
-              <a:fontRef idx="minor">
-                <a:schemeClr val="lt1"/>
-              </a:fontRef>
-            </p:style>
-            <p:txBody>
-              <a:bodyPr rtlCol="0" anchor="ctr">
-                <a:normAutofit fontScale="55000" lnSpcReduction="20000"/>
-              </a:bodyPr>
-              <a:lstStyle/>
-              <a:p>
-                <a:pPr algn="just"/>
-                <a14:m>
-                  <m:oMathPara xmlns:m="http://schemas.openxmlformats.org/officeDocument/2006/math">
-                    <m:oMathParaPr>
-                      <m:jc m:val="center"/>
-                    </m:oMathParaPr>
-                    <m:oMath xmlns:m="http://schemas.openxmlformats.org/officeDocument/2006/math">
-                      <m:sSubSup>
-                        <m:sSubSupPr>
-                          <m:ctrlPr>
-                            <a:rPr lang="fr-BE" b="0" i="1" smtClean="0">
-                              <a:latin typeface="Cambria Math" panose="02040503050406030204" pitchFamily="18" charset="0"/>
-                            </a:rPr>
-                          </m:ctrlPr>
-                        </m:sSubSupPr>
-                        <m:e>
-                          <m:r>
-                            <a:rPr lang="fr-BE" b="0" i="1" smtClean="0">
-                              <a:latin typeface="Cambria Math" panose="02040503050406030204" pitchFamily="18" charset="0"/>
-                            </a:rPr>
-                            <m:t>𝑤</m:t>
-                          </m:r>
-                        </m:e>
-                        <m:sub>
-                          <m:r>
-                            <a:rPr lang="fr-BE" b="0" i="1" smtClean="0">
-                              <a:latin typeface="Cambria Math" panose="02040503050406030204" pitchFamily="18" charset="0"/>
-                            </a:rPr>
-                            <m:t>𝑁𝑖𝑛</m:t>
-                          </m:r>
-                        </m:sub>
-                        <m:sup>
-                          <m:r>
-                            <a:rPr lang="fr-BE" b="0" i="1" smtClean="0">
-                              <a:latin typeface="Cambria Math" panose="02040503050406030204" pitchFamily="18" charset="0"/>
-                            </a:rPr>
-                            <m:t>1</m:t>
-                          </m:r>
-                        </m:sup>
-                      </m:sSubSup>
-                    </m:oMath>
-                  </m:oMathPara>
-                </a14:m>
-                <a:endParaRPr lang="fr-FR" dirty="0"/>
-              </a:p>
-            </p:txBody>
-          </p:sp>
-        </mc:Choice>
-        <mc:Fallback xmlns="">
-          <p:sp>
-            <p:nvSpPr>
-              <p:cNvPr id="56" name="Ellipse 55">
-                <a:extLst>
-                  <a:ext uri="{FF2B5EF4-FFF2-40B4-BE49-F238E27FC236}">
-                    <a16:creationId xmlns:a16="http://schemas.microsoft.com/office/drawing/2014/main" id="{8122BB98-DEFB-4548-8C23-04554A3F1DD3}"/>
-                  </a:ext>
-                </a:extLst>
-              </p:cNvPr>
-              <p:cNvSpPr>
-                <a:spLocks noRot="1" noChangeAspect="1" noMove="1" noResize="1" noEditPoints="1" noAdjustHandles="1" noChangeArrowheads="1" noChangeShapeType="1" noTextEdit="1"/>
-              </p:cNvSpPr>
-              <p:nvPr/>
-            </p:nvSpPr>
-            <p:spPr>
-              <a:xfrm>
-                <a:off x="3022761" y="3788730"/>
-                <a:ext cx="432000" cy="432000"/>
-              </a:xfrm>
-              <a:prstGeom prst="ellipse">
-                <a:avLst/>
-              </a:prstGeom>
-              <a:blipFill>
-                <a:blip r:embed="rId15"/>
-                <a:stretch>
-                  <a:fillRect/>
-                </a:stretch>
-              </a:blipFill>
-              <a:ln>
-                <a:headEnd type="none" w="med" len="med"/>
-                <a:tailEnd type="none" w="med" len="med"/>
-              </a:ln>
-            </p:spPr>
-            <p:txBody>
-              <a:bodyPr/>
-              <a:lstStyle/>
-              <a:p>
-                <a:r>
-                  <a:rPr lang="fr-FR">
-                    <a:noFill/>
-                  </a:rPr>
-                  <a:t> </a:t>
-                </a:r>
-              </a:p>
-            </p:txBody>
-          </p:sp>
-        </mc:Fallback>
-      </mc:AlternateContent>
-      <p:cxnSp>
-        <p:nvCxnSpPr>
-          <p:cNvPr id="61" name="Connecteur droit avec flèche 60">
-            <a:extLst>
-              <a:ext uri="{FF2B5EF4-FFF2-40B4-BE49-F238E27FC236}">
-                <a16:creationId xmlns:a16="http://schemas.microsoft.com/office/drawing/2014/main" id="{645F87EC-759E-46A7-986A-3EC722F1B27B}"/>
-              </a:ext>
-            </a:extLst>
-          </p:cNvPr>
-          <p:cNvCxnSpPr>
-            <a:cxnSpLocks/>
-            <a:endCxn id="44" idx="0"/>
-          </p:cNvCxnSpPr>
-          <p:nvPr/>
-        </p:nvCxnSpPr>
-        <p:spPr>
-          <a:xfrm>
-            <a:off x="3427348" y="3122932"/>
-            <a:ext cx="207413" cy="318447"/>
-          </a:xfrm>
-          <a:prstGeom prst="straightConnector1">
-            <a:avLst/>
-          </a:prstGeom>
-          <a:ln>
-            <a:tailEnd type="triangle"/>
-          </a:ln>
-        </p:spPr>
-        <p:style>
-          <a:lnRef idx="3">
-            <a:schemeClr val="dk1"/>
-          </a:lnRef>
-          <a:fillRef idx="0">
-            <a:schemeClr val="dk1"/>
-          </a:fillRef>
-          <a:effectRef idx="2">
-            <a:schemeClr val="dk1"/>
-          </a:effectRef>
-          <a:fontRef idx="minor">
-            <a:schemeClr val="tx1"/>
-          </a:fontRef>
-        </p:style>
-      </p:cxnSp>
-      <mc:AlternateContent xmlns:mc="http://schemas.openxmlformats.org/markup-compatibility/2006" xmlns:a14="http://schemas.microsoft.com/office/drawing/2010/main">
-        <mc:Choice Requires="a14">
-          <p:sp>
-            <p:nvSpPr>
-              <p:cNvPr id="62" name="Ellipse 61">
-                <a:extLst>
-                  <a:ext uri="{FF2B5EF4-FFF2-40B4-BE49-F238E27FC236}">
-                    <a16:creationId xmlns:a16="http://schemas.microsoft.com/office/drawing/2014/main" id="{14B96343-62C6-44B4-BE7D-6D2780DC8F5B}"/>
-                  </a:ext>
-                </a:extLst>
-              </p:cNvPr>
-              <p:cNvSpPr/>
-              <p:nvPr/>
-            </p:nvSpPr>
-            <p:spPr>
-              <a:xfrm>
-                <a:off x="3180712" y="2814336"/>
-                <a:ext cx="468000" cy="468000"/>
-              </a:xfrm>
-              <a:prstGeom prst="ellipse">
-                <a:avLst/>
-              </a:prstGeom>
-              <a:ln>
-                <a:headEnd type="none" w="med" len="med"/>
-                <a:tailEnd type="none" w="med" len="med"/>
-              </a:ln>
-            </p:spPr>
-            <p:style>
-              <a:lnRef idx="3">
-                <a:schemeClr val="lt1"/>
-              </a:lnRef>
-              <a:fillRef idx="1">
-                <a:schemeClr val="accent2"/>
-              </a:fillRef>
-              <a:effectRef idx="1">
-                <a:schemeClr val="accent2"/>
-              </a:effectRef>
-              <a:fontRef idx="minor">
-                <a:schemeClr val="lt1"/>
-              </a:fontRef>
-            </p:style>
-            <p:txBody>
-              <a:bodyPr rtlCol="0" anchor="ctr">
-                <a:normAutofit fontScale="47500" lnSpcReduction="20000"/>
-              </a:bodyPr>
-              <a:lstStyle/>
-              <a:p>
-                <a:pPr algn="just"/>
-                <a14:m>
-                  <m:oMathPara xmlns:m="http://schemas.openxmlformats.org/officeDocument/2006/math">
-                    <m:oMathParaPr>
-                      <m:jc m:val="center"/>
-                    </m:oMathParaPr>
-                    <m:oMath xmlns:m="http://schemas.openxmlformats.org/officeDocument/2006/math">
-                      <m:sSubSup>
-                        <m:sSubSupPr>
-                          <m:ctrlPr>
-                            <a:rPr lang="fr-BE" b="0" i="1" smtClean="0">
-                              <a:latin typeface="Cambria Math" panose="02040503050406030204" pitchFamily="18" charset="0"/>
-                            </a:rPr>
-                          </m:ctrlPr>
-                        </m:sSubSupPr>
-                        <m:e>
-                          <m:r>
-                            <a:rPr lang="fr-BE" b="0" i="1" smtClean="0">
-                              <a:latin typeface="Cambria Math" panose="02040503050406030204" pitchFamily="18" charset="0"/>
-                            </a:rPr>
-                            <m:t>𝑤</m:t>
-                          </m:r>
-                        </m:e>
-                        <m:sub>
-                          <m:r>
-                            <a:rPr lang="fr-BE" b="0" i="1" smtClean="0">
-                              <a:latin typeface="Cambria Math" panose="02040503050406030204" pitchFamily="18" charset="0"/>
-                            </a:rPr>
-                            <m:t>1</m:t>
-                          </m:r>
-                        </m:sub>
-                        <m:sup>
-                          <m:r>
-                            <a:rPr lang="fr-BE" b="0" i="1" smtClean="0">
-                              <a:latin typeface="Cambria Math" panose="02040503050406030204" pitchFamily="18" charset="0"/>
-                            </a:rPr>
-                            <m:t>𝑁𝑜𝑢𝑡</m:t>
-                          </m:r>
-                        </m:sup>
-                      </m:sSubSup>
-                    </m:oMath>
-                  </m:oMathPara>
-                </a14:m>
-                <a:endParaRPr lang="fr-FR" dirty="0"/>
-              </a:p>
-            </p:txBody>
-          </p:sp>
-        </mc:Choice>
-        <mc:Fallback xmlns="">
-          <p:sp>
-            <p:nvSpPr>
-              <p:cNvPr id="62" name="Ellipse 61">
-                <a:extLst>
-                  <a:ext uri="{FF2B5EF4-FFF2-40B4-BE49-F238E27FC236}">
-                    <a16:creationId xmlns:a16="http://schemas.microsoft.com/office/drawing/2014/main" id="{14B96343-62C6-44B4-BE7D-6D2780DC8F5B}"/>
-                  </a:ext>
-                </a:extLst>
-              </p:cNvPr>
-              <p:cNvSpPr>
-                <a:spLocks noRot="1" noChangeAspect="1" noMove="1" noResize="1" noEditPoints="1" noAdjustHandles="1" noChangeArrowheads="1" noChangeShapeType="1" noTextEdit="1"/>
-              </p:cNvSpPr>
-              <p:nvPr/>
-            </p:nvSpPr>
-            <p:spPr>
-              <a:xfrm>
-                <a:off x="3180712" y="2814336"/>
-                <a:ext cx="468000" cy="468000"/>
-              </a:xfrm>
-              <a:prstGeom prst="ellipse">
-                <a:avLst/>
-              </a:prstGeom>
-              <a:blipFill>
-                <a:blip r:embed="rId16"/>
-                <a:stretch>
-                  <a:fillRect r="-1250"/>
-                </a:stretch>
-              </a:blipFill>
-              <a:ln>
-                <a:headEnd type="none" w="med" len="med"/>
-                <a:tailEnd type="none" w="med" len="med"/>
-              </a:ln>
-            </p:spPr>
-            <p:txBody>
-              <a:bodyPr/>
-              <a:lstStyle/>
-              <a:p>
-                <a:r>
-                  <a:rPr lang="fr-FR">
-                    <a:noFill/>
-                  </a:rPr>
-                  <a:t> </a:t>
-                </a:r>
-              </a:p>
-            </p:txBody>
-          </p:sp>
-        </mc:Fallback>
-      </mc:AlternateContent>
-      <p:cxnSp>
-        <p:nvCxnSpPr>
-          <p:cNvPr id="72" name="Connecteur droit avec flèche 71">
-            <a:extLst>
-              <a:ext uri="{FF2B5EF4-FFF2-40B4-BE49-F238E27FC236}">
-                <a16:creationId xmlns:a16="http://schemas.microsoft.com/office/drawing/2014/main" id="{7F79B22A-3B2C-4496-B252-3460CD2C5489}"/>
-              </a:ext>
-            </a:extLst>
-          </p:cNvPr>
-          <p:cNvCxnSpPr>
-            <a:cxnSpLocks/>
-            <a:stCxn id="73" idx="3"/>
-            <a:endCxn id="42" idx="7"/>
-          </p:cNvCxnSpPr>
-          <p:nvPr/>
-        </p:nvCxnSpPr>
-        <p:spPr>
-          <a:xfrm flipH="1">
-            <a:off x="4302040" y="3188310"/>
-            <a:ext cx="135209" cy="109582"/>
-          </a:xfrm>
-          <a:prstGeom prst="straightConnector1">
-            <a:avLst/>
-          </a:prstGeom>
-          <a:ln>
-            <a:tailEnd type="triangle"/>
-          </a:ln>
-        </p:spPr>
-        <p:style>
-          <a:lnRef idx="3">
-            <a:schemeClr val="dk1"/>
-          </a:lnRef>
-          <a:fillRef idx="0">
-            <a:schemeClr val="dk1"/>
-          </a:fillRef>
-          <a:effectRef idx="2">
-            <a:schemeClr val="dk1"/>
-          </a:effectRef>
-          <a:fontRef idx="minor">
-            <a:schemeClr val="tx1"/>
-          </a:fontRef>
-        </p:style>
-      </p:cxnSp>
-      <mc:AlternateContent xmlns:mc="http://schemas.openxmlformats.org/markup-compatibility/2006" xmlns:a14="http://schemas.microsoft.com/office/drawing/2010/main">
-        <mc:Choice Requires="a14">
-          <p:sp>
-            <p:nvSpPr>
-              <p:cNvPr id="73" name="Ellipse 72">
-                <a:extLst>
-                  <a:ext uri="{FF2B5EF4-FFF2-40B4-BE49-F238E27FC236}">
-                    <a16:creationId xmlns:a16="http://schemas.microsoft.com/office/drawing/2014/main" id="{A9527BC4-BDBD-4953-9347-0597B6DF0741}"/>
-                  </a:ext>
-                </a:extLst>
-              </p:cNvPr>
-              <p:cNvSpPr/>
-              <p:nvPr/>
-            </p:nvSpPr>
-            <p:spPr>
-              <a:xfrm>
-                <a:off x="4368712" y="2788847"/>
-                <a:ext cx="468000" cy="468000"/>
-              </a:xfrm>
-              <a:prstGeom prst="ellipse">
-                <a:avLst/>
-              </a:prstGeom>
-              <a:ln>
-                <a:headEnd type="none" w="med" len="med"/>
-                <a:tailEnd type="none" w="med" len="med"/>
-              </a:ln>
-            </p:spPr>
-            <p:style>
-              <a:lnRef idx="3">
-                <a:schemeClr val="lt1"/>
-              </a:lnRef>
-              <a:fillRef idx="1">
-                <a:schemeClr val="accent2"/>
-              </a:fillRef>
-              <a:effectRef idx="1">
-                <a:schemeClr val="accent2"/>
-              </a:effectRef>
-              <a:fontRef idx="minor">
-                <a:schemeClr val="lt1"/>
-              </a:fontRef>
-            </p:style>
-            <p:txBody>
-              <a:bodyPr rtlCol="0" anchor="ctr">
-                <a:normAutofit fontScale="47500" lnSpcReduction="20000"/>
-              </a:bodyPr>
-              <a:lstStyle/>
-              <a:p>
-                <a:pPr algn="just"/>
-                <a14:m>
-                  <m:oMathPara xmlns:m="http://schemas.openxmlformats.org/officeDocument/2006/math">
-                    <m:oMathParaPr>
-                      <m:jc m:val="center"/>
-                    </m:oMathParaPr>
-                    <m:oMath xmlns:m="http://schemas.openxmlformats.org/officeDocument/2006/math">
-                      <m:sSubSup>
-                        <m:sSubSupPr>
-                          <m:ctrlPr>
-                            <a:rPr lang="fr-BE" b="0" i="1" smtClean="0">
-                              <a:latin typeface="Cambria Math" panose="02040503050406030204" pitchFamily="18" charset="0"/>
-                            </a:rPr>
-                          </m:ctrlPr>
-                        </m:sSubSupPr>
-                        <m:e>
-                          <m:r>
-                            <a:rPr lang="fr-BE" b="0" i="1" smtClean="0">
-                              <a:latin typeface="Cambria Math" panose="02040503050406030204" pitchFamily="18" charset="0"/>
-                            </a:rPr>
-                            <m:t>𝑤</m:t>
-                          </m:r>
-                        </m:e>
-                        <m:sub>
-                          <m:r>
-                            <a:rPr lang="fr-BE" b="0" i="1" smtClean="0">
-                              <a:latin typeface="Cambria Math" panose="02040503050406030204" pitchFamily="18" charset="0"/>
-                            </a:rPr>
-                            <m:t>0</m:t>
-                          </m:r>
-                        </m:sub>
-                        <m:sup>
-                          <m:r>
-                            <a:rPr lang="fr-BE" b="0" i="1" smtClean="0">
-                              <a:latin typeface="Cambria Math" panose="02040503050406030204" pitchFamily="18" charset="0"/>
-                            </a:rPr>
-                            <m:t>𝑁𝑜𝑢𝑡</m:t>
-                          </m:r>
-                        </m:sup>
-                      </m:sSubSup>
-                    </m:oMath>
-                  </m:oMathPara>
-                </a14:m>
-                <a:endParaRPr lang="fr-FR" dirty="0"/>
-              </a:p>
-            </p:txBody>
-          </p:sp>
-        </mc:Choice>
-        <mc:Fallback xmlns="">
-          <p:sp>
-            <p:nvSpPr>
-              <p:cNvPr id="73" name="Ellipse 72">
-                <a:extLst>
-                  <a:ext uri="{FF2B5EF4-FFF2-40B4-BE49-F238E27FC236}">
-                    <a16:creationId xmlns:a16="http://schemas.microsoft.com/office/drawing/2014/main" id="{A9527BC4-BDBD-4953-9347-0597B6DF0741}"/>
-                  </a:ext>
-                </a:extLst>
-              </p:cNvPr>
-              <p:cNvSpPr>
-                <a:spLocks noRot="1" noChangeAspect="1" noMove="1" noResize="1" noEditPoints="1" noAdjustHandles="1" noChangeArrowheads="1" noChangeShapeType="1" noTextEdit="1"/>
-              </p:cNvSpPr>
-              <p:nvPr/>
-            </p:nvSpPr>
-            <p:spPr>
-              <a:xfrm>
-                <a:off x="4368712" y="2788847"/>
-                <a:ext cx="468000" cy="468000"/>
-              </a:xfrm>
-              <a:prstGeom prst="ellipse">
-                <a:avLst/>
-              </a:prstGeom>
-              <a:blipFill>
-                <a:blip r:embed="rId17"/>
-                <a:stretch>
-                  <a:fillRect r="-2532"/>
-                </a:stretch>
-              </a:blipFill>
-              <a:ln>
-                <a:headEnd type="none" w="med" len="med"/>
-                <a:tailEnd type="none" w="med" len="med"/>
-              </a:ln>
-            </p:spPr>
-            <p:txBody>
-              <a:bodyPr/>
-              <a:lstStyle/>
-              <a:p>
-                <a:r>
-                  <a:rPr lang="fr-FR">
-                    <a:noFill/>
-                  </a:rPr>
-                  <a:t> </a:t>
-                </a:r>
-              </a:p>
-            </p:txBody>
-          </p:sp>
-        </mc:Fallback>
-      </mc:AlternateContent>
-      <p:cxnSp>
-        <p:nvCxnSpPr>
-          <p:cNvPr id="76" name="Connecteur droit avec flèche 75">
-            <a:extLst>
-              <a:ext uri="{FF2B5EF4-FFF2-40B4-BE49-F238E27FC236}">
-                <a16:creationId xmlns:a16="http://schemas.microsoft.com/office/drawing/2014/main" id="{DAE55945-24E9-4652-B67B-22D789D8408C}"/>
-              </a:ext>
-            </a:extLst>
-          </p:cNvPr>
-          <p:cNvCxnSpPr>
-            <a:cxnSpLocks/>
-            <a:stCxn id="77" idx="0"/>
-            <a:endCxn id="43" idx="4"/>
-          </p:cNvCxnSpPr>
-          <p:nvPr/>
-        </p:nvCxnSpPr>
-        <p:spPr>
-          <a:xfrm flipV="1">
-            <a:off x="4174109" y="5526579"/>
-            <a:ext cx="652" cy="180000"/>
-          </a:xfrm>
-          <a:prstGeom prst="straightConnector1">
-            <a:avLst/>
-          </a:prstGeom>
-          <a:ln>
-            <a:tailEnd type="triangle"/>
-          </a:ln>
-        </p:spPr>
-        <p:style>
-          <a:lnRef idx="3">
-            <a:schemeClr val="dk1"/>
-          </a:lnRef>
-          <a:fillRef idx="0">
-            <a:schemeClr val="dk1"/>
-          </a:fillRef>
-          <a:effectRef idx="2">
-            <a:schemeClr val="dk1"/>
-          </a:effectRef>
-          <a:fontRef idx="minor">
-            <a:schemeClr val="tx1"/>
-          </a:fontRef>
-        </p:style>
-      </p:cxnSp>
-      <mc:AlternateContent xmlns:mc="http://schemas.openxmlformats.org/markup-compatibility/2006" xmlns:a14="http://schemas.microsoft.com/office/drawing/2010/main">
-        <mc:Choice Requires="a14">
-          <p:sp>
-            <p:nvSpPr>
-              <p:cNvPr id="77" name="Ellipse 76">
-                <a:extLst>
-                  <a:ext uri="{FF2B5EF4-FFF2-40B4-BE49-F238E27FC236}">
-                    <a16:creationId xmlns:a16="http://schemas.microsoft.com/office/drawing/2014/main" id="{8FAA97F8-AA31-4778-96F7-46C41097FD56}"/>
-                  </a:ext>
-                </a:extLst>
-              </p:cNvPr>
-              <p:cNvSpPr/>
-              <p:nvPr/>
-            </p:nvSpPr>
-            <p:spPr>
-              <a:xfrm>
-                <a:off x="3940109" y="5706579"/>
-                <a:ext cx="468000" cy="468000"/>
-              </a:xfrm>
-              <a:prstGeom prst="ellipse">
-                <a:avLst/>
-              </a:prstGeom>
-              <a:ln>
-                <a:headEnd type="none" w="med" len="med"/>
-                <a:tailEnd type="none" w="med" len="med"/>
-              </a:ln>
-            </p:spPr>
-            <p:style>
-              <a:lnRef idx="3">
-                <a:schemeClr val="lt1"/>
-              </a:lnRef>
-              <a:fillRef idx="1">
-                <a:schemeClr val="accent2"/>
-              </a:fillRef>
-              <a:effectRef idx="1">
-                <a:schemeClr val="accent2"/>
-              </a:effectRef>
-              <a:fontRef idx="minor">
-                <a:schemeClr val="lt1"/>
-              </a:fontRef>
-            </p:style>
-            <p:txBody>
-              <a:bodyPr rtlCol="0" anchor="ctr">
-                <a:normAutofit fontScale="47500" lnSpcReduction="20000"/>
-              </a:bodyPr>
-              <a:lstStyle/>
-              <a:p>
-                <a:pPr algn="just"/>
-                <a14:m>
-                  <m:oMathPara xmlns:m="http://schemas.openxmlformats.org/officeDocument/2006/math">
-                    <m:oMathParaPr>
-                      <m:jc m:val="center"/>
-                    </m:oMathParaPr>
-                    <m:oMath xmlns:m="http://schemas.openxmlformats.org/officeDocument/2006/math">
-                      <m:sSubSup>
-                        <m:sSubSupPr>
-                          <m:ctrlPr>
-                            <a:rPr lang="fr-BE" b="0" i="1" smtClean="0">
-                              <a:latin typeface="Cambria Math" panose="02040503050406030204" pitchFamily="18" charset="0"/>
-                            </a:rPr>
-                          </m:ctrlPr>
-                        </m:sSubSupPr>
-                        <m:e>
-                          <m:r>
-                            <a:rPr lang="fr-BE" b="0" i="1" smtClean="0">
-                              <a:latin typeface="Cambria Math" panose="02040503050406030204" pitchFamily="18" charset="0"/>
-                            </a:rPr>
-                            <m:t>𝑤</m:t>
-                          </m:r>
-                        </m:e>
-                        <m:sub>
-                          <m:r>
-                            <a:rPr lang="fr-BE" b="0" i="1" smtClean="0">
-                              <a:latin typeface="Cambria Math" panose="02040503050406030204" pitchFamily="18" charset="0"/>
-                            </a:rPr>
-                            <m:t>𝑁𝑖𝑛</m:t>
-                          </m:r>
-                        </m:sub>
-                        <m:sup>
-                          <m:r>
-                            <a:rPr lang="fr-BE" b="0" i="1" smtClean="0">
-                              <a:latin typeface="Cambria Math" panose="02040503050406030204" pitchFamily="18" charset="0"/>
-                            </a:rPr>
-                            <m:t>𝑁𝑜𝑢𝑡</m:t>
-                          </m:r>
-                        </m:sup>
-                      </m:sSubSup>
-                    </m:oMath>
-                  </m:oMathPara>
-                </a14:m>
-                <a:endParaRPr lang="fr-FR" dirty="0"/>
-              </a:p>
-            </p:txBody>
-          </p:sp>
-        </mc:Choice>
-        <mc:Fallback xmlns="">
-          <p:sp>
-            <p:nvSpPr>
-              <p:cNvPr id="77" name="Ellipse 76">
-                <a:extLst>
-                  <a:ext uri="{FF2B5EF4-FFF2-40B4-BE49-F238E27FC236}">
-                    <a16:creationId xmlns:a16="http://schemas.microsoft.com/office/drawing/2014/main" id="{8FAA97F8-AA31-4778-96F7-46C41097FD56}"/>
-                  </a:ext>
-                </a:extLst>
-              </p:cNvPr>
-              <p:cNvSpPr>
-                <a:spLocks noRot="1" noChangeAspect="1" noMove="1" noResize="1" noEditPoints="1" noAdjustHandles="1" noChangeArrowheads="1" noChangeShapeType="1" noTextEdit="1"/>
-              </p:cNvSpPr>
-              <p:nvPr/>
-            </p:nvSpPr>
-            <p:spPr>
-              <a:xfrm>
-                <a:off x="3940109" y="5706579"/>
-                <a:ext cx="468000" cy="468000"/>
-              </a:xfrm>
-              <a:prstGeom prst="ellipse">
-                <a:avLst/>
-              </a:prstGeom>
-              <a:blipFill>
-                <a:blip r:embed="rId18"/>
-                <a:stretch>
-                  <a:fillRect r="-2500"/>
-                </a:stretch>
-              </a:blipFill>
-              <a:ln>
-                <a:headEnd type="none" w="med" len="med"/>
-                <a:tailEnd type="none" w="med" len="med"/>
-              </a:ln>
-            </p:spPr>
-            <p:txBody>
-              <a:bodyPr/>
-              <a:lstStyle/>
-              <a:p>
-                <a:r>
-                  <a:rPr lang="fr-FR">
-                    <a:noFill/>
-                  </a:rPr>
-                  <a:t> </a:t>
-                </a:r>
-              </a:p>
-            </p:txBody>
-          </p:sp>
-        </mc:Fallback>
-      </mc:AlternateContent>
-      <mc:AlternateContent xmlns:mc="http://schemas.openxmlformats.org/markup-compatibility/2006" xmlns:a14="http://schemas.microsoft.com/office/drawing/2010/main">
-        <mc:Choice Requires="a14">
-          <p:sp>
-            <p:nvSpPr>
               <p:cNvPr id="48" name="Rectangle 47">
                 <a:extLst>
                   <a:ext uri="{FF2B5EF4-FFF2-40B4-BE49-F238E27FC236}">
@@ -6773,6 +4932,89 @@
           </p:sp>
         </mc:Fallback>
       </mc:AlternateContent>
+      <p:cxnSp>
+        <p:nvCxnSpPr>
+          <p:cNvPr id="24" name="Connecteur droit avec flèche 23">
+            <a:extLst>
+              <a:ext uri="{FF2B5EF4-FFF2-40B4-BE49-F238E27FC236}">
+                <a16:creationId xmlns:a16="http://schemas.microsoft.com/office/drawing/2014/main" id="{A63DD910-E5CA-4920-84F7-61853A942CF1}"/>
+              </a:ext>
+            </a:extLst>
+          </p:cNvPr>
+          <p:cNvCxnSpPr>
+            <a:cxnSpLocks/>
+            <a:stCxn id="10" idx="6"/>
+          </p:cNvCxnSpPr>
+          <p:nvPr/>
+        </p:nvCxnSpPr>
+        <p:spPr>
+          <a:xfrm>
+            <a:off x="6816000" y="2639529"/>
+            <a:ext cx="383790" cy="0"/>
+          </a:xfrm>
+          <a:prstGeom prst="straightConnector1">
+            <a:avLst/>
+          </a:prstGeom>
+          <a:ln>
+            <a:tailEnd type="triangle"/>
+          </a:ln>
+        </p:spPr>
+        <p:style>
+          <a:lnRef idx="3">
+            <a:schemeClr val="dk1"/>
+          </a:lnRef>
+          <a:fillRef idx="0">
+            <a:schemeClr val="dk1"/>
+          </a:fillRef>
+          <a:effectRef idx="2">
+            <a:schemeClr val="dk1"/>
+          </a:effectRef>
+          <a:fontRef idx="minor">
+            <a:schemeClr val="tx1"/>
+          </a:fontRef>
+        </p:style>
+      </p:cxnSp>
+      <p:cxnSp>
+        <p:nvCxnSpPr>
+          <p:cNvPr id="27" name="Connecteur droit avec flèche 26">
+            <a:extLst>
+              <a:ext uri="{FF2B5EF4-FFF2-40B4-BE49-F238E27FC236}">
+                <a16:creationId xmlns:a16="http://schemas.microsoft.com/office/drawing/2014/main" id="{F5BFFFE1-9387-44F8-AA29-C841E9F2AF3B}"/>
+              </a:ext>
+            </a:extLst>
+          </p:cNvPr>
+          <p:cNvCxnSpPr>
+            <a:cxnSpLocks/>
+          </p:cNvCxnSpPr>
+          <p:nvPr/>
+        </p:nvCxnSpPr>
+        <p:spPr>
+          <a:xfrm>
+            <a:off x="6816000" y="5346579"/>
+            <a:ext cx="383790" cy="0"/>
+          </a:xfrm>
+          <a:prstGeom prst="straightConnector1">
+            <a:avLst/>
+          </a:prstGeom>
+          <a:ln>
+            <a:tailEnd type="triangle"/>
+          </a:ln>
+        </p:spPr>
+        <p:style>
+          <a:lnRef idx="3">
+            <a:schemeClr val="dk1"/>
+          </a:lnRef>
+          <a:fillRef idx="0">
+            <a:schemeClr val="dk1"/>
+          </a:fillRef>
+          <a:effectRef idx="2">
+            <a:schemeClr val="dk1"/>
+          </a:effectRef>
+          <a:fontRef idx="minor">
+            <a:schemeClr val="tx1"/>
+          </a:fontRef>
+        </p:style>
+      </p:cxnSp>
     </p:spTree>
     <p:extLst>
       <p:ext uri="{BB962C8B-B14F-4D97-AF65-F5344CB8AC3E}">
